--- a/LearningPython.pptx
+++ b/LearningPython.pptx
@@ -189,7 +189,7 @@
 <file path=ppt/revisionInfo.xml><?xml version="1.0" encoding="utf-8"?>
 <p1510:revInfo xmlns:a="http://schemas.openxmlformats.org/drawingml/2006/main" xmlns:r="http://schemas.openxmlformats.org/officeDocument/2006/relationships" xmlns:p1510="http://schemas.microsoft.com/office/powerpoint/2015/10/main">
   <p1510:revLst>
-    <p1510:client id="{0973D669-1053-4496-B97D-4ABF2213450B}" v="2" dt="2023-10-27T17:38:22.751"/>
+    <p1510:client id="{0973D669-1053-4496-B97D-4ABF2213450B}" v="3" dt="2023-10-27T18:49:04.517"/>
   </p1510:revLst>
 </p1510:revInfo>
 </file>
@@ -199,7 +199,7 @@
   <pc:docChgLst>
     <pc:chgData name="Karuna Bhaila" userId="a5a30a92-e182-46e9-bda9-746235df0a13" providerId="ADAL" clId="{0973D669-1053-4496-B97D-4ABF2213450B}"/>
     <pc:docChg chg="undo custSel addSld modSld">
-      <pc:chgData name="Karuna Bhaila" userId="a5a30a92-e182-46e9-bda9-746235df0a13" providerId="ADAL" clId="{0973D669-1053-4496-B97D-4ABF2213450B}" dt="2023-10-27T17:38:58.834" v="465" actId="20577"/>
+      <pc:chgData name="Karuna Bhaila" userId="a5a30a92-e182-46e9-bda9-746235df0a13" providerId="ADAL" clId="{0973D669-1053-4496-B97D-4ABF2213450B}" dt="2023-10-27T18:48:56.460" v="468"/>
       <pc:docMkLst>
         <pc:docMk/>
       </pc:docMkLst>
@@ -230,6 +230,21 @@
             <pc:docMk/>
             <pc:sldMk cId="1203634911" sldId="272"/>
             <ac:spMk id="3" creationId="{EBE24860-CC31-4B87-AD1A-D30A81E4B263}"/>
+          </ac:spMkLst>
+        </pc:spChg>
+      </pc:sldChg>
+      <pc:sldChg chg="modSp mod">
+        <pc:chgData name="Karuna Bhaila" userId="a5a30a92-e182-46e9-bda9-746235df0a13" providerId="ADAL" clId="{0973D669-1053-4496-B97D-4ABF2213450B}" dt="2023-10-27T18:48:56.460" v="468"/>
+        <pc:sldMkLst>
+          <pc:docMk/>
+          <pc:sldMk cId="2527223002" sldId="301"/>
+        </pc:sldMkLst>
+        <pc:spChg chg="mod">
+          <ac:chgData name="Karuna Bhaila" userId="a5a30a92-e182-46e9-bda9-746235df0a13" providerId="ADAL" clId="{0973D669-1053-4496-B97D-4ABF2213450B}" dt="2023-10-27T18:48:56.460" v="468"/>
+          <ac:spMkLst>
+            <pc:docMk/>
+            <pc:sldMk cId="2527223002" sldId="301"/>
+            <ac:spMk id="3" creationId="{429C2B7A-A214-42D9-A25F-E82665C40CB3}"/>
           </ac:spMkLst>
         </pc:spChg>
       </pc:sldChg>
@@ -22722,8 +22737,8 @@
           </a:p>
         </p:txBody>
       </p:sp>
-      <mc:AlternateContent xmlns:mc="http://schemas.openxmlformats.org/markup-compatibility/2006">
-        <mc:Choice xmlns:a14="http://schemas.microsoft.com/office/drawing/2010/main" Requires="a14">
+      <mc:AlternateContent xmlns:mc="http://schemas.openxmlformats.org/markup-compatibility/2006" xmlns:a14="http://schemas.microsoft.com/office/drawing/2010/main">
+        <mc:Choice Requires="a14">
           <p:sp>
             <p:nvSpPr>
               <p:cNvPr id="3" name="Content Placeholder 2">
@@ -23030,7 +23045,7 @@
             </p:txBody>
           </p:sp>
         </mc:Choice>
-        <mc:Fallback>
+        <mc:Fallback xmlns="">
           <p:sp>
             <p:nvSpPr>
               <p:cNvPr id="3" name="Content Placeholder 2">
@@ -28063,7 +28078,7 @@
               <a:rPr lang="en-US" sz="2800" dirty="0">
                 <a:hlinkClick r:id="rId5"/>
               </a:rPr>
-              <a:t>https://www.cis.upenn.edu/~cis1920/tliu/f21/ </a:t>
+              <a:t>https://cis192.github.io/</a:t>
             </a:r>
             <a:endParaRPr lang="en-US" sz="2800" dirty="0"/>
           </a:p>
